--- a/A Lap Around React and Angular 2.pptx
+++ b/A Lap Around React and Angular 2.pptx
@@ -236,7 +236,7 @@
           <a:p>
             <a:fld id="{98A68C85-1B6E-4C6F-8D42-92737C95F328}" type="datetimeFigureOut">
               <a:rPr lang="en-US" smtClean="0"/>
-              <a:t>5/4/2017</a:t>
+              <a:t>10/17/2017</a:t>
             </a:fld>
             <a:endParaRPr lang="en-US"/>
           </a:p>
@@ -1865,6 +1865,93 @@
 </p:notes>
 </file>
 
+<file path=ppt/notesSlides/notesSlide22.xml><?xml version="1.0" encoding="utf-8"?>
+<p:notes xmlns:a="http://schemas.openxmlformats.org/drawingml/2006/main" xmlns:r="http://schemas.openxmlformats.org/officeDocument/2006/relationships" xmlns:p="http://schemas.openxmlformats.org/presentationml/2006/main">
+  <p:cSld>
+    <p:spTree>
+      <p:nvGrpSpPr>
+        <p:cNvPr id="1" name=""/>
+        <p:cNvGrpSpPr/>
+        <p:nvPr/>
+      </p:nvGrpSpPr>
+      <p:grpSpPr>
+        <a:xfrm>
+          <a:off x="0" y="0"/>
+          <a:ext cx="0" cy="0"/>
+          <a:chOff x="0" y="0"/>
+          <a:chExt cx="0" cy="0"/>
+        </a:xfrm>
+      </p:grpSpPr>
+      <p:sp>
+        <p:nvSpPr>
+          <p:cNvPr id="2" name="Slide Image Placeholder 1"/>
+          <p:cNvSpPr>
+            <a:spLocks noGrp="1" noRot="1" noChangeAspect="1"/>
+          </p:cNvSpPr>
+          <p:nvPr>
+            <p:ph type="sldImg"/>
+          </p:nvPr>
+        </p:nvSpPr>
+        <p:spPr/>
+      </p:sp>
+      <p:sp>
+        <p:nvSpPr>
+          <p:cNvPr id="3" name="Notes Placeholder 2"/>
+          <p:cNvSpPr>
+            <a:spLocks noGrp="1"/>
+          </p:cNvSpPr>
+          <p:nvPr>
+            <p:ph type="body" idx="1"/>
+          </p:nvPr>
+        </p:nvSpPr>
+        <p:spPr/>
+        <p:txBody>
+          <a:bodyPr/>
+          <a:lstStyle/>
+          <a:p>
+            <a:r>
+              <a:rPr lang="en-US" dirty="0"/>
+              <a:t>* Hot reloading in Angular only works if you use the redux pattern and keep your state in a store</a:t>
+            </a:r>
+          </a:p>
+        </p:txBody>
+      </p:sp>
+      <p:sp>
+        <p:nvSpPr>
+          <p:cNvPr id="4" name="Slide Number Placeholder 3"/>
+          <p:cNvSpPr>
+            <a:spLocks noGrp="1"/>
+          </p:cNvSpPr>
+          <p:nvPr>
+            <p:ph type="sldNum" sz="quarter" idx="10"/>
+          </p:nvPr>
+        </p:nvSpPr>
+        <p:spPr/>
+        <p:txBody>
+          <a:bodyPr/>
+          <a:lstStyle/>
+          <a:p>
+            <a:fld id="{1DD730C5-82C1-4027-AF96-AE02B7E1C9EA}" type="slidenum">
+              <a:rPr lang="en-US" smtClean="0"/>
+              <a:t>32</a:t>
+            </a:fld>
+            <a:endParaRPr lang="en-US"/>
+          </a:p>
+        </p:txBody>
+      </p:sp>
+    </p:spTree>
+    <p:extLst>
+      <p:ext uri="{BB962C8B-B14F-4D97-AF65-F5344CB8AC3E}">
+        <p14:creationId xmlns:p14="http://schemas.microsoft.com/office/powerpoint/2010/main" val="317176872"/>
+      </p:ext>
+    </p:extLst>
+  </p:cSld>
+  <p:clrMapOvr>
+    <a:masterClrMapping/>
+  </p:clrMapOvr>
+</p:notes>
+</file>
+
 <file path=ppt/notesSlides/notesSlide3.xml><?xml version="1.0" encoding="utf-8"?>
 <p:notes xmlns:a="http://schemas.openxmlformats.org/drawingml/2006/main" xmlns:r="http://schemas.openxmlformats.org/officeDocument/2006/relationships" xmlns:p="http://schemas.openxmlformats.org/presentationml/2006/main">
   <p:cSld>
@@ -2085,7 +2172,7 @@
           <a:p>
             <a:r>
               <a:rPr lang="en-US" dirty="0"/>
-              <a:t>Are you building a single-page application (e.g. Gmail) or an app of single pages (navigating to a page does a complete post back)?</a:t>
+              <a:t>Are you building a single-page application (e.g. Gmail) or an app of single pages (navigating to a page does a complete post back or loads a new set of data)?</a:t>
             </a:r>
           </a:p>
         </p:txBody>
@@ -2716,7 +2803,7 @@
           <a:p>
             <a:fld id="{6DD61CFD-D182-4621-8E40-743A8DBB6884}" type="datetimeFigureOut">
               <a:rPr lang="en-US" smtClean="0"/>
-              <a:t>5/4/2017</a:t>
+              <a:t>10/17/2017</a:t>
             </a:fld>
             <a:endParaRPr lang="en-US"/>
           </a:p>
@@ -2884,7 +2971,7 @@
           <a:p>
             <a:fld id="{6DD61CFD-D182-4621-8E40-743A8DBB6884}" type="datetimeFigureOut">
               <a:rPr lang="en-US" smtClean="0"/>
-              <a:t>5/4/2017</a:t>
+              <a:t>10/17/2017</a:t>
             </a:fld>
             <a:endParaRPr lang="en-US"/>
           </a:p>
@@ -3062,7 +3149,7 @@
           <a:p>
             <a:fld id="{6DD61CFD-D182-4621-8E40-743A8DBB6884}" type="datetimeFigureOut">
               <a:rPr lang="en-US" smtClean="0"/>
-              <a:t>5/4/2017</a:t>
+              <a:t>10/17/2017</a:t>
             </a:fld>
             <a:endParaRPr lang="en-US"/>
           </a:p>
@@ -3230,7 +3317,7 @@
           <a:p>
             <a:fld id="{6DD61CFD-D182-4621-8E40-743A8DBB6884}" type="datetimeFigureOut">
               <a:rPr lang="en-US" smtClean="0"/>
-              <a:t>5/4/2017</a:t>
+              <a:t>10/17/2017</a:t>
             </a:fld>
             <a:endParaRPr lang="en-US"/>
           </a:p>
@@ -3475,7 +3562,7 @@
           <a:p>
             <a:fld id="{6DD61CFD-D182-4621-8E40-743A8DBB6884}" type="datetimeFigureOut">
               <a:rPr lang="en-US" smtClean="0"/>
-              <a:t>5/4/2017</a:t>
+              <a:t>10/17/2017</a:t>
             </a:fld>
             <a:endParaRPr lang="en-US"/>
           </a:p>
@@ -3704,7 +3791,7 @@
           <a:p>
             <a:fld id="{6DD61CFD-D182-4621-8E40-743A8DBB6884}" type="datetimeFigureOut">
               <a:rPr lang="en-US" smtClean="0"/>
-              <a:t>5/4/2017</a:t>
+              <a:t>10/17/2017</a:t>
             </a:fld>
             <a:endParaRPr lang="en-US"/>
           </a:p>
@@ -4068,7 +4155,7 @@
           <a:p>
             <a:fld id="{6DD61CFD-D182-4621-8E40-743A8DBB6884}" type="datetimeFigureOut">
               <a:rPr lang="en-US" smtClean="0"/>
-              <a:t>5/4/2017</a:t>
+              <a:t>10/17/2017</a:t>
             </a:fld>
             <a:endParaRPr lang="en-US"/>
           </a:p>
@@ -4185,7 +4272,7 @@
           <a:p>
             <a:fld id="{6DD61CFD-D182-4621-8E40-743A8DBB6884}" type="datetimeFigureOut">
               <a:rPr lang="en-US" smtClean="0"/>
-              <a:t>5/4/2017</a:t>
+              <a:t>10/17/2017</a:t>
             </a:fld>
             <a:endParaRPr lang="en-US"/>
           </a:p>
@@ -4280,7 +4367,7 @@
           <a:p>
             <a:fld id="{6DD61CFD-D182-4621-8E40-743A8DBB6884}" type="datetimeFigureOut">
               <a:rPr lang="en-US" smtClean="0"/>
-              <a:t>5/4/2017</a:t>
+              <a:t>10/17/2017</a:t>
             </a:fld>
             <a:endParaRPr lang="en-US"/>
           </a:p>
@@ -4555,7 +4642,7 @@
           <a:p>
             <a:fld id="{6DD61CFD-D182-4621-8E40-743A8DBB6884}" type="datetimeFigureOut">
               <a:rPr lang="en-US" smtClean="0"/>
-              <a:t>5/4/2017</a:t>
+              <a:t>10/17/2017</a:t>
             </a:fld>
             <a:endParaRPr lang="en-US"/>
           </a:p>
@@ -4807,7 +4894,7 @@
           <a:p>
             <a:fld id="{6DD61CFD-D182-4621-8E40-743A8DBB6884}" type="datetimeFigureOut">
               <a:rPr lang="en-US" smtClean="0"/>
-              <a:t>5/4/2017</a:t>
+              <a:t>10/17/2017</a:t>
             </a:fld>
             <a:endParaRPr lang="en-US"/>
           </a:p>
@@ -5018,7 +5105,7 @@
           <a:p>
             <a:fld id="{6DD61CFD-D182-4621-8E40-743A8DBB6884}" type="datetimeFigureOut">
               <a:rPr lang="en-US" smtClean="0"/>
-              <a:t>5/4/2017</a:t>
+              <a:t>10/17/2017</a:t>
             </a:fld>
             <a:endParaRPr lang="en-US"/>
           </a:p>
@@ -9546,7 +9633,7 @@
 </file>
 
 <file path=ppt/slides/slide2.xml><?xml version="1.0" encoding="utf-8"?>
-<p:sld xmlns:a="http://schemas.openxmlformats.org/drawingml/2006/main" xmlns:r="http://schemas.openxmlformats.org/officeDocument/2006/relationships" xmlns:p="http://schemas.openxmlformats.org/presentationml/2006/main">
+<p:sld xmlns:a="http://schemas.openxmlformats.org/drawingml/2006/main" xmlns:r="http://schemas.openxmlformats.org/officeDocument/2006/relationships" xmlns:p="http://schemas.openxmlformats.org/presentationml/2006/main" show="0">
   <p:cSld>
     <p:spTree>
       <p:nvGrpSpPr>
@@ -15507,7 +15594,7 @@
 </file>
 
 <file path=ppt/slides/slide3.xml><?xml version="1.0" encoding="utf-8"?>
-<p:sld xmlns:a="http://schemas.openxmlformats.org/drawingml/2006/main" xmlns:r="http://schemas.openxmlformats.org/officeDocument/2006/relationships" xmlns:p="http://schemas.openxmlformats.org/presentationml/2006/main">
+<p:sld xmlns:a="http://schemas.openxmlformats.org/drawingml/2006/main" xmlns:r="http://schemas.openxmlformats.org/officeDocument/2006/relationships" xmlns:p="http://schemas.openxmlformats.org/presentationml/2006/main" show="0">
   <p:cSld>
     <p:spTree>
       <p:nvGrpSpPr>
@@ -18078,7 +18165,7 @@
             <p:ph idx="1"/>
             <p:extLst>
               <p:ext uri="{D42A27DB-BD31-4B8C-83A1-F6EECF244321}">
-                <p14:modId xmlns:p14="http://schemas.microsoft.com/office/powerpoint/2010/main" val="579871537"/>
+                <p14:modId xmlns:p14="http://schemas.microsoft.com/office/powerpoint/2010/main" val="1421985480"/>
               </p:ext>
             </p:extLst>
           </p:nvPr>
@@ -18347,7 +18434,7 @@
                     <a:p>
                       <a:r>
                         <a:rPr lang="en-US" dirty="0"/>
-                        <a:t>Yes</a:t>
+                        <a:t>Yes*</a:t>
                       </a:r>
                     </a:p>
                   </a:txBody>
@@ -19476,7 +19563,7 @@
 </file>
 
 <file path=ppt/slides/slide4.xml><?xml version="1.0" encoding="utf-8"?>
-<p:sld xmlns:a="http://schemas.openxmlformats.org/drawingml/2006/main" xmlns:r="http://schemas.openxmlformats.org/officeDocument/2006/relationships" xmlns:p="http://schemas.openxmlformats.org/presentationml/2006/main">
+<p:sld xmlns:a="http://schemas.openxmlformats.org/drawingml/2006/main" xmlns:r="http://schemas.openxmlformats.org/officeDocument/2006/relationships" xmlns:p="http://schemas.openxmlformats.org/presentationml/2006/main" show="0">
   <p:cSld>
     <p:spTree>
       <p:nvGrpSpPr>
